--- a/13 - Offensive Security Tactics for Linux Professionals - Putting it all together.pptx
+++ b/13 - Offensive Security Tactics for Linux Professionals - Putting it all together.pptx
@@ -5,7 +5,7 @@
     <p:sldMasterId id="2147483648" r:id="rId1"/>
   </p:sldMasterIdLst>
   <p:notesMasterIdLst>
-    <p:notesMasterId r:id="rId27"/>
+    <p:notesMasterId r:id="rId28"/>
   </p:notesMasterIdLst>
   <p:sldIdLst>
     <p:sldId id="256" r:id="rId2"/>
@@ -33,6 +33,7 @@
     <p:sldId id="277" r:id="rId24"/>
     <p:sldId id="289" r:id="rId25"/>
     <p:sldId id="290" r:id="rId26"/>
+    <p:sldId id="291" r:id="rId27"/>
   </p:sldIdLst>
   <p:sldSz cx="12192000" cy="6858000"/>
   <p:notesSz cx="6858000" cy="9144000"/>
@@ -604,7 +605,7 @@
           <a:p>
             <a:fld id="{7764F26F-F31F-42AE-9E20-15E75712B34A}" type="datetimeFigureOut">
               <a:rPr lang="en-GB" smtClean="0"/>
-              <a:t>07/04/2022</a:t>
+              <a:t>11/04/2022</a:t>
             </a:fld>
             <a:endParaRPr lang="en-GB"/>
           </a:p>
@@ -1220,6 +1221,98 @@
 </p:notes>
 </file>
 
+<file path=ppt/notesSlides/notesSlide13.xml><?xml version="1.0" encoding="utf-8"?>
+<p:notes xmlns:a="http://schemas.openxmlformats.org/drawingml/2006/main" xmlns:r="http://schemas.openxmlformats.org/officeDocument/2006/relationships" xmlns:p="http://schemas.openxmlformats.org/presentationml/2006/main">
+  <p:cSld>
+    <p:spTree>
+      <p:nvGrpSpPr>
+        <p:cNvPr id="1" name=""/>
+        <p:cNvGrpSpPr/>
+        <p:nvPr/>
+      </p:nvGrpSpPr>
+      <p:grpSpPr>
+        <a:xfrm>
+          <a:off x="0" y="0"/>
+          <a:ext cx="0" cy="0"/>
+          <a:chOff x="0" y="0"/>
+          <a:chExt cx="0" cy="0"/>
+        </a:xfrm>
+      </p:grpSpPr>
+      <p:sp>
+        <p:nvSpPr>
+          <p:cNvPr id="2" name="Slide Image Placeholder 1"/>
+          <p:cNvSpPr>
+            <a:spLocks noGrp="1" noRot="1" noChangeAspect="1"/>
+          </p:cNvSpPr>
+          <p:nvPr>
+            <p:ph type="sldImg"/>
+          </p:nvPr>
+        </p:nvSpPr>
+        <p:spPr/>
+      </p:sp>
+      <p:sp>
+        <p:nvSpPr>
+          <p:cNvPr id="3" name="Notes Placeholder 2"/>
+          <p:cNvSpPr>
+            <a:spLocks noGrp="1"/>
+          </p:cNvSpPr>
+          <p:nvPr>
+            <p:ph type="body" idx="1"/>
+          </p:nvPr>
+        </p:nvSpPr>
+        <p:spPr/>
+        <p:txBody>
+          <a:bodyPr/>
+          <a:lstStyle/>
+          <a:p>
+            <a:r>
+              <a:rPr lang="en-GB" dirty="0"/>
+              <a:t>I hope you learnt something valuable from this training course, </a:t>
+            </a:r>
+            <a:r>
+              <a:rPr lang="en-GB"/>
+              <a:t>thank you!</a:t>
+            </a:r>
+            <a:endParaRPr lang="en-GB" dirty="0"/>
+          </a:p>
+        </p:txBody>
+      </p:sp>
+      <p:sp>
+        <p:nvSpPr>
+          <p:cNvPr id="4" name="Slide Number Placeholder 3"/>
+          <p:cNvSpPr>
+            <a:spLocks noGrp="1"/>
+          </p:cNvSpPr>
+          <p:nvPr>
+            <p:ph type="sldNum" sz="quarter" idx="5"/>
+          </p:nvPr>
+        </p:nvSpPr>
+        <p:spPr/>
+        <p:txBody>
+          <a:bodyPr/>
+          <a:lstStyle/>
+          <a:p>
+            <a:fld id="{F32DD59B-4F5C-4B83-9029-86A228B06F9B}" type="slidenum">
+              <a:rPr lang="en-GB" smtClean="0"/>
+              <a:t>26</a:t>
+            </a:fld>
+            <a:endParaRPr lang="en-GB"/>
+          </a:p>
+        </p:txBody>
+      </p:sp>
+    </p:spTree>
+    <p:extLst>
+      <p:ext uri="{BB962C8B-B14F-4D97-AF65-F5344CB8AC3E}">
+        <p14:creationId xmlns:p14="http://schemas.microsoft.com/office/powerpoint/2010/main" val="2018651115"/>
+      </p:ext>
+    </p:extLst>
+  </p:cSld>
+  <p:clrMapOvr>
+    <a:masterClrMapping/>
+  </p:clrMapOvr>
+</p:notes>
+</file>
+
 <file path=ppt/notesSlides/notesSlide2.xml><?xml version="1.0" encoding="utf-8"?>
 <p:notes xmlns:a="http://schemas.openxmlformats.org/drawingml/2006/main" xmlns:r="http://schemas.openxmlformats.org/officeDocument/2006/relationships" xmlns:p="http://schemas.openxmlformats.org/presentationml/2006/main">
   <p:cSld>
@@ -2165,7 +2258,7 @@
           <a:p>
             <a:fld id="{7F485425-0C11-42DA-8543-E908A22E3425}" type="datetimeFigureOut">
               <a:rPr lang="en-GB" smtClean="0"/>
-              <a:t>07/04/2022</a:t>
+              <a:t>11/04/2022</a:t>
             </a:fld>
             <a:endParaRPr lang="en-GB"/>
           </a:p>
@@ -2365,7 +2458,7 @@
           <a:p>
             <a:fld id="{7F485425-0C11-42DA-8543-E908A22E3425}" type="datetimeFigureOut">
               <a:rPr lang="en-GB" smtClean="0"/>
-              <a:t>07/04/2022</a:t>
+              <a:t>11/04/2022</a:t>
             </a:fld>
             <a:endParaRPr lang="en-GB"/>
           </a:p>
@@ -2575,7 +2668,7 @@
           <a:p>
             <a:fld id="{7F485425-0C11-42DA-8543-E908A22E3425}" type="datetimeFigureOut">
               <a:rPr lang="en-GB" smtClean="0"/>
-              <a:t>07/04/2022</a:t>
+              <a:t>11/04/2022</a:t>
             </a:fld>
             <a:endParaRPr lang="en-GB"/>
           </a:p>
@@ -2775,7 +2868,7 @@
           <a:p>
             <a:fld id="{7F485425-0C11-42DA-8543-E908A22E3425}" type="datetimeFigureOut">
               <a:rPr lang="en-GB" smtClean="0"/>
-              <a:t>07/04/2022</a:t>
+              <a:t>11/04/2022</a:t>
             </a:fld>
             <a:endParaRPr lang="en-GB"/>
           </a:p>
@@ -3051,7 +3144,7 @@
           <a:p>
             <a:fld id="{7F485425-0C11-42DA-8543-E908A22E3425}" type="datetimeFigureOut">
               <a:rPr lang="en-GB" smtClean="0"/>
-              <a:t>07/04/2022</a:t>
+              <a:t>11/04/2022</a:t>
             </a:fld>
             <a:endParaRPr lang="en-GB"/>
           </a:p>
@@ -3319,7 +3412,7 @@
           <a:p>
             <a:fld id="{7F485425-0C11-42DA-8543-E908A22E3425}" type="datetimeFigureOut">
               <a:rPr lang="en-GB" smtClean="0"/>
-              <a:t>07/04/2022</a:t>
+              <a:t>11/04/2022</a:t>
             </a:fld>
             <a:endParaRPr lang="en-GB"/>
           </a:p>
@@ -3734,7 +3827,7 @@
           <a:p>
             <a:fld id="{7F485425-0C11-42DA-8543-E908A22E3425}" type="datetimeFigureOut">
               <a:rPr lang="en-GB" smtClean="0"/>
-              <a:t>07/04/2022</a:t>
+              <a:t>11/04/2022</a:t>
             </a:fld>
             <a:endParaRPr lang="en-GB"/>
           </a:p>
@@ -3876,7 +3969,7 @@
           <a:p>
             <a:fld id="{7F485425-0C11-42DA-8543-E908A22E3425}" type="datetimeFigureOut">
               <a:rPr lang="en-GB" smtClean="0"/>
-              <a:t>07/04/2022</a:t>
+              <a:t>11/04/2022</a:t>
             </a:fld>
             <a:endParaRPr lang="en-GB"/>
           </a:p>
@@ -3989,7 +4082,7 @@
           <a:p>
             <a:fld id="{7F485425-0C11-42DA-8543-E908A22E3425}" type="datetimeFigureOut">
               <a:rPr lang="en-GB" smtClean="0"/>
-              <a:t>07/04/2022</a:t>
+              <a:t>11/04/2022</a:t>
             </a:fld>
             <a:endParaRPr lang="en-GB"/>
           </a:p>
@@ -4302,7 +4395,7 @@
           <a:p>
             <a:fld id="{7F485425-0C11-42DA-8543-E908A22E3425}" type="datetimeFigureOut">
               <a:rPr lang="en-GB" smtClean="0"/>
-              <a:t>07/04/2022</a:t>
+              <a:t>11/04/2022</a:t>
             </a:fld>
             <a:endParaRPr lang="en-GB"/>
           </a:p>
@@ -4591,7 +4684,7 @@
           <a:p>
             <a:fld id="{7F485425-0C11-42DA-8543-E908A22E3425}" type="datetimeFigureOut">
               <a:rPr lang="en-GB" smtClean="0"/>
-              <a:t>07/04/2022</a:t>
+              <a:t>11/04/2022</a:t>
             </a:fld>
             <a:endParaRPr lang="en-GB"/>
           </a:p>
@@ -4834,7 +4927,7 @@
           <a:p>
             <a:fld id="{7F485425-0C11-42DA-8543-E908A22E3425}" type="datetimeFigureOut">
               <a:rPr lang="en-GB" smtClean="0"/>
-              <a:t>07/04/2022</a:t>
+              <a:t>11/04/2022</a:t>
             </a:fld>
             <a:endParaRPr lang="en-GB"/>
           </a:p>
@@ -10149,21 +10242,21 @@
           <a:chExt cx="0" cy="0"/>
         </a:xfrm>
       </p:grpSpPr>
-      <p:sp useBgFill="1">
-        <p:nvSpPr>
-          <p:cNvPr id="30" name="Rectangle 20">
+      <p:cxnSp>
+        <p:nvCxnSpPr>
+          <p:cNvPr id="38" name="Straight Connector 37">
             <a:extLst>
               <a:ext uri="{FF2B5EF4-FFF2-40B4-BE49-F238E27FC236}">
-                <a16:creationId xmlns:a16="http://schemas.microsoft.com/office/drawing/2014/main" id="{A8384FB5-9ADC-4DDC-881B-597D56F5B15D}"/>
+                <a16:creationId xmlns:a16="http://schemas.microsoft.com/office/drawing/2014/main" id="{D2E961F1-4A28-4A5F-BBD4-6E400E5E6C75}"/>
               </a:ext>
               <a:ext uri="{C183D7F6-B498-43B3-948B-1728B52AA6E4}">
                 <adec:decorative xmlns:adec="http://schemas.microsoft.com/office/drawing/2017/decorative" val="1"/>
               </a:ext>
             </a:extLst>
           </p:cNvPr>
-          <p:cNvSpPr>
-            <a:spLocks noGrp="1" noRot="1" noChangeAspect="1" noMove="1" noResize="1" noEditPoints="1" noAdjustHandles="1" noChangeArrowheads="1" noChangeShapeType="1" noTextEdit="1"/>
-          </p:cNvSpPr>
+          <p:cNvCxnSpPr>
+            <a:cxnSpLocks noGrp="1" noRot="1" noChangeAspect="1" noMove="1" noResize="1" noEditPoints="1" noAdjustHandles="1" noChangeArrowheads="1" noChangeShapeType="1"/>
+          </p:cNvCxnSpPr>
           <p:nvPr>
             <p:extLst>
               <p:ext uri="{386F3935-93C4-4BCD-93E2-E3B085C9AB24}">
@@ -10171,66 +10264,45 @@
               </p:ext>
             </p:extLst>
           </p:nvPr>
-        </p:nvSpPr>
-        <p:spPr>
+        </p:nvCxnSpPr>
+        <p:spPr bwMode="white">
           <a:xfrm>
-            <a:off x="0" y="0"/>
-            <a:ext cx="12192000" cy="6858000"/>
+            <a:off x="0" y="272357"/>
+            <a:ext cx="12188824" cy="0"/>
           </a:xfrm>
-          <a:prstGeom prst="rect">
+          <a:prstGeom prst="line">
             <a:avLst/>
           </a:prstGeom>
-          <a:ln w="12700" cap="flat" cmpd="sng" algn="ctr">
-            <a:noFill/>
-            <a:prstDash val="solid"/>
-            <a:miter lim="800000"/>
+          <a:ln w="50800">
+            <a:solidFill>
+              <a:schemeClr val="tx1">
+                <a:lumMod val="75000"/>
+                <a:lumOff val="25000"/>
+              </a:schemeClr>
+            </a:solidFill>
           </a:ln>
-          <a:effectLst/>
-          <a:extLst>
-            <a:ext uri="{91240B29-F687-4F45-9708-019B960494DF}">
-              <a14:hiddenLine xmlns:a14="http://schemas.microsoft.com/office/drawing/2010/main" w="12700" cap="flat" cmpd="sng" algn="ctr">
-                <a:solidFill>
-                  <a:schemeClr val="accent1">
-                    <a:shade val="50000"/>
-                  </a:schemeClr>
-                </a:solidFill>
-                <a:prstDash val="solid"/>
-                <a:miter lim="800000"/>
-              </a14:hiddenLine>
-            </a:ext>
-          </a:extLst>
         </p:spPr>
         <p:style>
-          <a:lnRef idx="2">
-            <a:schemeClr val="accent1">
-              <a:shade val="50000"/>
-            </a:schemeClr>
+          <a:lnRef idx="1">
+            <a:schemeClr val="accent1"/>
           </a:lnRef>
-          <a:fillRef idx="1">
+          <a:fillRef idx="0">
             <a:schemeClr val="accent1"/>
           </a:fillRef>
           <a:effectRef idx="0">
             <a:schemeClr val="accent1"/>
           </a:effectRef>
           <a:fontRef idx="minor">
-            <a:schemeClr val="lt1"/>
+            <a:schemeClr val="tx1"/>
           </a:fontRef>
         </p:style>
-        <p:txBody>
-          <a:bodyPr rtlCol="0" anchor="ctr"/>
-          <a:lstStyle/>
-          <a:p>
-            <a:pPr algn="ctr"/>
-            <a:endParaRPr lang="en-US"/>
-          </a:p>
-        </p:txBody>
-      </p:sp>
+      </p:cxnSp>
       <p:sp>
         <p:nvSpPr>
-          <p:cNvPr id="31" name="Rectangle 22">
+          <p:cNvPr id="40" name="Rectangle 39">
             <a:extLst>
               <a:ext uri="{FF2B5EF4-FFF2-40B4-BE49-F238E27FC236}">
-                <a16:creationId xmlns:a16="http://schemas.microsoft.com/office/drawing/2014/main" id="{1199E1B1-A8C0-4FE8-A5A8-1CB41D69F857}"/>
+                <a16:creationId xmlns:a16="http://schemas.microsoft.com/office/drawing/2014/main" id="{7F57BEA8-497D-4AA8-8A18-BDCD696B25FE}"/>
               </a:ext>
               <a:ext uri="{C183D7F6-B498-43B3-948B-1728B52AA6E4}">
                 <adec:decorative xmlns:adec="http://schemas.microsoft.com/office/drawing/2017/decorative" val="1"/>
@@ -10249,28 +10321,19 @@
           </p:nvPr>
         </p:nvSpPr>
         <p:spPr>
-          <a:xfrm rot="10800000" flipH="1">
-            <a:off x="2" y="0"/>
-            <a:ext cx="12191998" cy="1575955"/>
+          <a:xfrm>
+            <a:off x="0" y="368596"/>
+            <a:ext cx="12192000" cy="1735555"/>
           </a:xfrm>
           <a:prstGeom prst="rect">
             <a:avLst/>
           </a:prstGeom>
-          <a:gradFill>
-            <a:gsLst>
-              <a:gs pos="0">
-                <a:srgbClr val="000000">
-                  <a:alpha val="96000"/>
-                </a:srgbClr>
-              </a:gs>
-              <a:gs pos="100000">
-                <a:schemeClr val="accent1">
-                  <a:lumMod val="75000"/>
-                </a:schemeClr>
-              </a:gs>
-            </a:gsLst>
-            <a:lin ang="6000000" scaled="0"/>
-          </a:gradFill>
+          <a:solidFill>
+            <a:schemeClr val="tx1">
+              <a:lumMod val="75000"/>
+              <a:lumOff val="25000"/>
+            </a:schemeClr>
+          </a:solidFill>
           <a:ln>
             <a:noFill/>
           </a:ln>
@@ -10302,19 +10365,62 @@
       </p:sp>
       <p:sp>
         <p:nvSpPr>
-          <p:cNvPr id="32" name="Rectangle 24">
+          <p:cNvPr id="2" name="Title 1">
             <a:extLst>
               <a:ext uri="{FF2B5EF4-FFF2-40B4-BE49-F238E27FC236}">
-                <a16:creationId xmlns:a16="http://schemas.microsoft.com/office/drawing/2014/main" id="{84A8DE83-DE75-4B41-9DB4-A7EC0B0DEC0B}"/>
+                <a16:creationId xmlns:a16="http://schemas.microsoft.com/office/drawing/2014/main" id="{3527F1A1-7A2C-4A27-ACC1-90AF24B3C72A}"/>
+              </a:ext>
+            </a:extLst>
+          </p:cNvPr>
+          <p:cNvSpPr>
+            <a:spLocks noGrp="1"/>
+          </p:cNvSpPr>
+          <p:nvPr>
+            <p:ph type="title"/>
+          </p:nvPr>
+        </p:nvSpPr>
+        <p:spPr>
+          <a:xfrm>
+            <a:off x="526073" y="489439"/>
+            <a:ext cx="11139854" cy="930447"/>
+          </a:xfrm>
+        </p:spPr>
+        <p:txBody>
+          <a:bodyPr vert="horz" lIns="91440" tIns="45720" rIns="91440" bIns="45720" rtlCol="0" anchor="b">
+            <a:normAutofit/>
+          </a:bodyPr>
+          <a:lstStyle/>
+          <a:p>
+            <a:pPr algn="ctr"/>
+            <a:r>
+              <a:rPr lang="en-US" sz="5400" kern="1200">
+                <a:solidFill>
+                  <a:schemeClr val="bg1"/>
+                </a:solidFill>
+                <a:latin typeface="+mj-lt"/>
+                <a:ea typeface="+mj-ea"/>
+                <a:cs typeface="+mj-cs"/>
+              </a:rPr>
+              <a:t>Privilege Escalation (Root Shell) </a:t>
+            </a:r>
+          </a:p>
+        </p:txBody>
+      </p:sp>
+      <p:cxnSp>
+        <p:nvCxnSpPr>
+          <p:cNvPr id="42" name="Straight Connector 41">
+            <a:extLst>
+              <a:ext uri="{FF2B5EF4-FFF2-40B4-BE49-F238E27FC236}">
+                <a16:creationId xmlns:a16="http://schemas.microsoft.com/office/drawing/2014/main" id="{A82415D3-DDE5-4D63-8CB3-23A5EC581B27}"/>
               </a:ext>
               <a:ext uri="{C183D7F6-B498-43B3-948B-1728B52AA6E4}">
                 <adec:decorative xmlns:adec="http://schemas.microsoft.com/office/drawing/2017/decorative" val="1"/>
               </a:ext>
             </a:extLst>
           </p:cNvPr>
-          <p:cNvSpPr>
-            <a:spLocks noGrp="1" noRot="1" noChangeAspect="1" noMove="1" noResize="1" noEditPoints="1" noAdjustHandles="1" noChangeArrowheads="1" noChangeShapeType="1" noTextEdit="1"/>
-          </p:cNvSpPr>
+          <p:cNvCxnSpPr>
+            <a:cxnSpLocks noGrp="1" noRot="1" noChangeAspect="1" noMove="1" noResize="1" noEditPoints="1" noAdjustHandles="1" noChangeArrowheads="1" noChangeShapeType="1"/>
+          </p:cNvCxnSpPr>
           <p:nvPr>
             <p:extLst>
               <p:ext uri="{386F3935-93C4-4BCD-93E2-E3B085C9AB24}">
@@ -10322,76 +10428,53 @@
               </p:ext>
             </p:extLst>
           </p:nvPr>
-        </p:nvSpPr>
+        </p:nvCxnSpPr>
         <p:spPr>
           <a:xfrm>
-            <a:off x="0" y="0"/>
-            <a:ext cx="8128856" cy="1575461"/>
+            <a:off x="4724400" y="1479733"/>
+            <a:ext cx="2743200" cy="0"/>
           </a:xfrm>
-          <a:prstGeom prst="rect">
+          <a:prstGeom prst="line">
             <a:avLst/>
           </a:prstGeom>
-          <a:gradFill>
-            <a:gsLst>
-              <a:gs pos="0">
-                <a:schemeClr val="accent1">
-                  <a:alpha val="41000"/>
-                </a:schemeClr>
-              </a:gs>
-              <a:gs pos="74000">
-                <a:schemeClr val="accent1">
-                  <a:lumMod val="60000"/>
-                  <a:lumOff val="40000"/>
-                  <a:alpha val="0"/>
-                </a:schemeClr>
-              </a:gs>
-            </a:gsLst>
-            <a:lin ang="8400000" scaled="0"/>
-          </a:gradFill>
-          <a:ln>
-            <a:noFill/>
+          <a:ln w="19050">
+            <a:solidFill>
+              <a:schemeClr val="bg1">
+                <a:alpha val="75000"/>
+              </a:schemeClr>
+            </a:solidFill>
           </a:ln>
         </p:spPr>
         <p:style>
-          <a:lnRef idx="2">
-            <a:schemeClr val="accent1">
-              <a:shade val="50000"/>
-            </a:schemeClr>
+          <a:lnRef idx="1">
+            <a:schemeClr val="accent1"/>
           </a:lnRef>
-          <a:fillRef idx="1">
+          <a:fillRef idx="0">
             <a:schemeClr val="accent1"/>
           </a:fillRef>
           <a:effectRef idx="0">
             <a:schemeClr val="accent1"/>
           </a:effectRef>
           <a:fontRef idx="minor">
-            <a:schemeClr val="lt1"/>
+            <a:schemeClr val="tx1"/>
           </a:fontRef>
         </p:style>
-        <p:txBody>
-          <a:bodyPr rtlCol="0" anchor="ctr"/>
-          <a:lstStyle/>
-          <a:p>
-            <a:pPr algn="ctr"/>
-            <a:endParaRPr lang="en-US"/>
-          </a:p>
-        </p:txBody>
-      </p:sp>
-      <p:sp>
-        <p:nvSpPr>
-          <p:cNvPr id="33" name="Rectangle 26">
+      </p:cxnSp>
+      <p:cxnSp>
+        <p:nvCxnSpPr>
+          <p:cNvPr id="44" name="Straight Connector 43">
             <a:extLst>
               <a:ext uri="{FF2B5EF4-FFF2-40B4-BE49-F238E27FC236}">
-                <a16:creationId xmlns:a16="http://schemas.microsoft.com/office/drawing/2014/main" id="{A7009A0A-BEF5-4EAC-AF15-E4F9F002E239}"/>
+                <a16:creationId xmlns:a16="http://schemas.microsoft.com/office/drawing/2014/main" id="{AD7193FB-6AE6-4B3B-8F89-56B55DD63B4D}"/>
               </a:ext>
               <a:ext uri="{C183D7F6-B498-43B3-948B-1728B52AA6E4}">
                 <adec:decorative xmlns:adec="http://schemas.microsoft.com/office/drawing/2017/decorative" val="1"/>
               </a:ext>
             </a:extLst>
           </p:cNvPr>
-          <p:cNvSpPr>
-            <a:spLocks noGrp="1" noRot="1" noChangeAspect="1" noMove="1" noResize="1" noEditPoints="1" noAdjustHandles="1" noChangeArrowheads="1" noChangeShapeType="1" noTextEdit="1"/>
-          </p:cNvSpPr>
+          <p:cNvCxnSpPr>
+            <a:cxnSpLocks noGrp="1" noRot="1" noChangeAspect="1" noMove="1" noResize="1" noEditPoints="1" noAdjustHandles="1" noChangeArrowheads="1" noChangeShapeType="1"/>
+          </p:cNvCxnSpPr>
           <p:nvPr>
             <p:extLst>
               <p:ext uri="{386F3935-93C4-4BCD-93E2-E3B085C9AB24}">
@@ -10399,107 +10482,45 @@
               </p:ext>
             </p:extLst>
           </p:nvPr>
-        </p:nvSpPr>
-        <p:spPr>
-          <a:xfrm flipH="1">
-            <a:off x="-3" y="-1"/>
-            <a:ext cx="12192002" cy="1574311"/>
+        </p:nvCxnSpPr>
+        <p:spPr bwMode="white">
+          <a:xfrm>
+            <a:off x="0" y="2201402"/>
+            <a:ext cx="12188824" cy="0"/>
           </a:xfrm>
-          <a:prstGeom prst="rect">
+          <a:prstGeom prst="line">
             <a:avLst/>
           </a:prstGeom>
-          <a:gradFill>
-            <a:gsLst>
-              <a:gs pos="0">
-                <a:srgbClr val="000000">
-                  <a:alpha val="63000"/>
-                </a:srgbClr>
-              </a:gs>
-              <a:gs pos="78000">
-                <a:schemeClr val="accent1">
-                  <a:alpha val="15000"/>
-                </a:schemeClr>
-              </a:gs>
-            </a:gsLst>
-            <a:lin ang="15600000" scaled="0"/>
-          </a:gradFill>
-          <a:ln>
-            <a:noFill/>
+          <a:ln w="50800">
+            <a:solidFill>
+              <a:schemeClr val="tx1">
+                <a:lumMod val="75000"/>
+                <a:lumOff val="25000"/>
+              </a:schemeClr>
+            </a:solidFill>
           </a:ln>
         </p:spPr>
         <p:style>
-          <a:lnRef idx="2">
-            <a:schemeClr val="accent1">
-              <a:shade val="50000"/>
-            </a:schemeClr>
+          <a:lnRef idx="1">
+            <a:schemeClr val="accent1"/>
           </a:lnRef>
-          <a:fillRef idx="1">
+          <a:fillRef idx="0">
             <a:schemeClr val="accent1"/>
           </a:fillRef>
           <a:effectRef idx="0">
             <a:schemeClr val="accent1"/>
           </a:effectRef>
           <a:fontRef idx="minor">
-            <a:schemeClr val="lt1"/>
+            <a:schemeClr val="tx1"/>
           </a:fontRef>
         </p:style>
-        <p:txBody>
-          <a:bodyPr rtlCol="0" anchor="ctr"/>
-          <a:lstStyle/>
-          <a:p>
-            <a:pPr algn="ctr"/>
-            <a:endParaRPr lang="en-US"/>
-          </a:p>
-        </p:txBody>
-      </p:sp>
-      <p:sp>
-        <p:nvSpPr>
-          <p:cNvPr id="2" name="Title 1">
+      </p:cxnSp>
+      <p:pic>
+        <p:nvPicPr>
+          <p:cNvPr id="4" name="Picture 3">
             <a:extLst>
               <a:ext uri="{FF2B5EF4-FFF2-40B4-BE49-F238E27FC236}">
-                <a16:creationId xmlns:a16="http://schemas.microsoft.com/office/drawing/2014/main" id="{3527F1A1-7A2C-4A27-ACC1-90AF24B3C72A}"/>
-              </a:ext>
-            </a:extLst>
-          </p:cNvPr>
-          <p:cNvSpPr>
-            <a:spLocks noGrp="1"/>
-          </p:cNvSpPr>
-          <p:nvPr>
-            <p:ph type="title"/>
-          </p:nvPr>
-        </p:nvSpPr>
-        <p:spPr>
-          <a:xfrm>
-            <a:off x="699713" y="248038"/>
-            <a:ext cx="11265546" cy="1159200"/>
-          </a:xfrm>
-        </p:spPr>
-        <p:txBody>
-          <a:bodyPr vert="horz" lIns="91440" tIns="45720" rIns="91440" bIns="45720" rtlCol="0" anchor="ctr">
-            <a:normAutofit/>
-          </a:bodyPr>
-          <a:lstStyle/>
-          <a:p>
-            <a:pPr algn="ctr"/>
-            <a:r>
-              <a:rPr lang="en-US" sz="4000" kern="1200" dirty="0">
-                <a:solidFill>
-                  <a:srgbClr val="FFFFFF"/>
-                </a:solidFill>
-                <a:latin typeface="Arial" panose="020B0604020202020204" pitchFamily="34" charset="0"/>
-                <a:cs typeface="Arial" panose="020B0604020202020204" pitchFamily="34" charset="0"/>
-              </a:rPr>
-              <a:t>Privilege Escalation (Root Shell) </a:t>
-            </a:r>
-          </a:p>
-        </p:txBody>
-      </p:sp>
-      <p:pic>
-        <p:nvPicPr>
-          <p:cNvPr id="8" name="Picture 7">
-            <a:extLst>
-              <a:ext uri="{FF2B5EF4-FFF2-40B4-BE49-F238E27FC236}">
-                <a16:creationId xmlns:a16="http://schemas.microsoft.com/office/drawing/2014/main" id="{6864C6EA-6735-4FB2-BB5E-EAA0E4F1BA57}"/>
+                <a16:creationId xmlns:a16="http://schemas.microsoft.com/office/drawing/2014/main" id="{BEDCD95A-6657-46B2-81DC-30A47D14CDB8}"/>
               </a:ext>
             </a:extLst>
           </p:cNvPr>
@@ -10516,8 +10537,8 @@
         </p:blipFill>
         <p:spPr>
           <a:xfrm>
-            <a:off x="3021336" y="3343312"/>
-            <a:ext cx="6149323" cy="2204475"/>
+            <a:off x="398041" y="2427541"/>
+            <a:ext cx="11340818" cy="3997637"/>
           </a:xfrm>
           <a:prstGeom prst="rect">
             <a:avLst/>
@@ -10586,59 +10607,6 @@
                                         <p:cTn id="7" dur="500"/>
                                         <p:tgtEl>
                                           <p:spTgt spid="2"/>
-                                        </p:tgtEl>
-                                      </p:cBhvr>
-                                    </p:animEffect>
-                                  </p:childTnLst>
-                                </p:cTn>
-                              </p:par>
-                            </p:childTnLst>
-                          </p:cTn>
-                        </p:par>
-                      </p:childTnLst>
-                    </p:cTn>
-                  </p:par>
-                  <p:par>
-                    <p:cTn id="8" fill="hold">
-                      <p:stCondLst>
-                        <p:cond delay="indefinite"/>
-                      </p:stCondLst>
-                      <p:childTnLst>
-                        <p:par>
-                          <p:cTn id="9" fill="hold">
-                            <p:stCondLst>
-                              <p:cond delay="0"/>
-                            </p:stCondLst>
-                            <p:childTnLst>
-                              <p:par>
-                                <p:cTn id="10" presetID="10" presetClass="entr" presetSubtype="0" fill="hold" nodeType="clickEffect">
-                                  <p:stCondLst>
-                                    <p:cond delay="0"/>
-                                  </p:stCondLst>
-                                  <p:childTnLst>
-                                    <p:set>
-                                      <p:cBhvr>
-                                        <p:cTn id="11" dur="1" fill="hold">
-                                          <p:stCondLst>
-                                            <p:cond delay="0"/>
-                                          </p:stCondLst>
-                                        </p:cTn>
-                                        <p:tgtEl>
-                                          <p:spTgt spid="8"/>
-                                        </p:tgtEl>
-                                        <p:attrNameLst>
-                                          <p:attrName>style.visibility</p:attrName>
-                                        </p:attrNameLst>
-                                      </p:cBhvr>
-                                      <p:to>
-                                        <p:strVal val="visible"/>
-                                      </p:to>
-                                    </p:set>
-                                    <p:animEffect transition="in" filter="fade">
-                                      <p:cBhvr>
-                                        <p:cTn id="12" dur="500"/>
-                                        <p:tgtEl>
-                                          <p:spTgt spid="8"/>
                                         </p:tgtEl>
                                       </p:cBhvr>
                                     </p:animEffect>
@@ -17266,12 +17234,12 @@
           <a:chExt cx="0" cy="0"/>
         </a:xfrm>
       </p:grpSpPr>
-      <p:sp>
-        <p:nvSpPr>
-          <p:cNvPr id="21" name="Rectangle 20">
+      <p:sp useBgFill="1">
+        <p:nvSpPr>
+          <p:cNvPr id="1028" name="Rectangle 70">
             <a:extLst>
               <a:ext uri="{FF2B5EF4-FFF2-40B4-BE49-F238E27FC236}">
-                <a16:creationId xmlns:a16="http://schemas.microsoft.com/office/drawing/2014/main" id="{DE7FFD28-545C-4C88-A2E7-152FB234C92C}"/>
+                <a16:creationId xmlns:a16="http://schemas.microsoft.com/office/drawing/2014/main" id="{9AA72BD9-2C5A-4EDC-931F-5AA08EACA0F3}"/>
               </a:ext>
               <a:ext uri="{C183D7F6-B498-43B3-948B-1728B52AA6E4}">
                 <adec:decorative xmlns:adec="http://schemas.microsoft.com/office/drawing/2017/decorative" val="1"/>
@@ -17292,13 +17260,243 @@
         <p:spPr>
           <a:xfrm>
             <a:off x="0" y="0"/>
-            <a:ext cx="12192000" cy="1911350"/>
+            <a:ext cx="12192000" cy="6858000"/>
+          </a:xfrm>
+          <a:prstGeom prst="rect">
+            <a:avLst/>
+          </a:prstGeom>
+          <a:ln>
+            <a:noFill/>
+          </a:ln>
+        </p:spPr>
+        <p:style>
+          <a:lnRef idx="2">
+            <a:schemeClr val="accent1">
+              <a:shade val="50000"/>
+            </a:schemeClr>
+          </a:lnRef>
+          <a:fillRef idx="1">
+            <a:schemeClr val="accent1"/>
+          </a:fillRef>
+          <a:effectRef idx="0">
+            <a:schemeClr val="accent1"/>
+          </a:effectRef>
+          <a:fontRef idx="minor">
+            <a:schemeClr val="lt1"/>
+          </a:fontRef>
+        </p:style>
+        <p:txBody>
+          <a:bodyPr rtlCol="0" anchor="ctr"/>
+          <a:lstStyle/>
+          <a:p>
+            <a:pPr algn="ctr"/>
+            <a:endParaRPr lang="en-US"/>
+          </a:p>
+        </p:txBody>
+      </p:sp>
+      <p:pic>
+        <p:nvPicPr>
+          <p:cNvPr id="1026" name="Picture 2" descr="Create meme &quot;Leonardo DiCaprio , drink , Leonardo di Caprio &quot; - Pictures -  Meme-arsenal.com">
+            <a:extLst>
+              <a:ext uri="{FF2B5EF4-FFF2-40B4-BE49-F238E27FC236}">
+                <a16:creationId xmlns:a16="http://schemas.microsoft.com/office/drawing/2014/main" id="{21B9BE20-4803-4ECA-ADF8-5B698A52CB33}"/>
+              </a:ext>
+            </a:extLst>
+          </p:cNvPr>
+          <p:cNvPicPr>
+            <a:picLocks noChangeAspect="1" noChangeArrowheads="1"/>
+          </p:cNvPicPr>
+          <p:nvPr/>
+        </p:nvPicPr>
+        <p:blipFill rotWithShape="1">
+          <a:blip r:embed="rId2">
+            <a:extLst>
+              <a:ext uri="{28A0092B-C50C-407E-A947-70E740481C1C}">
+                <a14:useLocalDpi xmlns:a14="http://schemas.microsoft.com/office/drawing/2010/main" val="0"/>
+              </a:ext>
+            </a:extLst>
+          </a:blip>
+          <a:srcRect l="7902" r="20689" b="2187"/>
+          <a:stretch/>
+        </p:blipFill>
+        <p:spPr bwMode="auto">
+          <a:xfrm>
+            <a:off x="3522468" y="10"/>
+            <a:ext cx="8669532" cy="6857990"/>
+          </a:xfrm>
+          <a:prstGeom prst="rect">
+            <a:avLst/>
+          </a:prstGeom>
+          <a:noFill/>
+          <a:extLst>
+            <a:ext uri="{909E8E84-426E-40DD-AFC4-6F175D3DCCD1}">
+              <a14:hiddenFill xmlns:a14="http://schemas.microsoft.com/office/drawing/2010/main">
+                <a:solidFill>
+                  <a:srgbClr val="FFFFFF"/>
+                </a:solidFill>
+              </a14:hiddenFill>
+            </a:ext>
+          </a:extLst>
+        </p:spPr>
+      </p:pic>
+      <p:sp>
+        <p:nvSpPr>
+          <p:cNvPr id="1029" name="Rectangle 72">
+            <a:extLst>
+              <a:ext uri="{FF2B5EF4-FFF2-40B4-BE49-F238E27FC236}">
+                <a16:creationId xmlns:a16="http://schemas.microsoft.com/office/drawing/2014/main" id="{DD3981AC-7B61-4947-BCF3-F7AA7FA385B9}"/>
+              </a:ext>
+              <a:ext uri="{C183D7F6-B498-43B3-948B-1728B52AA6E4}">
+                <adec:decorative xmlns:adec="http://schemas.microsoft.com/office/drawing/2017/decorative" val="1"/>
+              </a:ext>
+            </a:extLst>
+          </p:cNvPr>
+          <p:cNvSpPr>
+            <a:spLocks noGrp="1" noRot="1" noChangeAspect="1" noMove="1" noResize="1" noEditPoints="1" noAdjustHandles="1" noChangeArrowheads="1" noChangeShapeType="1" noTextEdit="1"/>
+          </p:cNvSpPr>
+          <p:nvPr>
+            <p:extLst>
+              <p:ext uri="{386F3935-93C4-4BCD-93E2-E3B085C9AB24}">
+                <p16:designElem xmlns:p16="http://schemas.microsoft.com/office/powerpoint/2015/main" val="1"/>
+              </p:ext>
+            </p:extLst>
+          </p:nvPr>
+        </p:nvSpPr>
+        <p:spPr>
+          <a:xfrm>
+            <a:off x="2" y="0"/>
+            <a:ext cx="9756601" cy="6858000"/>
+          </a:xfrm>
+          <a:prstGeom prst="rect">
+            <a:avLst/>
+          </a:prstGeom>
+          <a:gradFill>
+            <a:gsLst>
+              <a:gs pos="58000">
+                <a:schemeClr val="bg1"/>
+              </a:gs>
+              <a:gs pos="35000">
+                <a:schemeClr val="bg1">
+                  <a:alpha val="78000"/>
+                </a:schemeClr>
+              </a:gs>
+              <a:gs pos="19000">
+                <a:schemeClr val="bg1">
+                  <a:alpha val="38000"/>
+                </a:schemeClr>
+              </a:gs>
+              <a:gs pos="0">
+                <a:schemeClr val="bg1">
+                  <a:alpha val="0"/>
+                </a:schemeClr>
+              </a:gs>
+              <a:gs pos="100000">
+                <a:schemeClr val="bg1"/>
+              </a:gs>
+            </a:gsLst>
+            <a:lin ang="10800000" scaled="0"/>
+          </a:gradFill>
+          <a:ln>
+            <a:noFill/>
+          </a:ln>
+        </p:spPr>
+        <p:style>
+          <a:lnRef idx="2">
+            <a:schemeClr val="accent1">
+              <a:shade val="50000"/>
+            </a:schemeClr>
+          </a:lnRef>
+          <a:fillRef idx="1">
+            <a:schemeClr val="accent1"/>
+          </a:fillRef>
+          <a:effectRef idx="0">
+            <a:schemeClr val="accent1"/>
+          </a:effectRef>
+          <a:fontRef idx="minor">
+            <a:schemeClr val="lt1"/>
+          </a:fontRef>
+        </p:style>
+        <p:txBody>
+          <a:bodyPr rtlCol="0" anchor="ctr"/>
+          <a:lstStyle/>
+          <a:p>
+            <a:pPr algn="ctr"/>
+            <a:endParaRPr lang="en-US" dirty="0"/>
+          </a:p>
+        </p:txBody>
+      </p:sp>
+      <p:sp>
+        <p:nvSpPr>
+          <p:cNvPr id="2" name="Title 1">
+            <a:extLst>
+              <a:ext uri="{FF2B5EF4-FFF2-40B4-BE49-F238E27FC236}">
+                <a16:creationId xmlns:a16="http://schemas.microsoft.com/office/drawing/2014/main" id="{64F2D889-C6E4-45AC-883D-F28FB7EBB663}"/>
+              </a:ext>
+            </a:extLst>
+          </p:cNvPr>
+          <p:cNvSpPr>
+            <a:spLocks noGrp="1"/>
+          </p:cNvSpPr>
+          <p:nvPr>
+            <p:ph type="title"/>
+          </p:nvPr>
+        </p:nvSpPr>
+        <p:spPr>
+          <a:xfrm>
+            <a:off x="371094" y="1161288"/>
+            <a:ext cx="3438144" cy="1124712"/>
+          </a:xfrm>
+        </p:spPr>
+        <p:txBody>
+          <a:bodyPr anchor="b">
+            <a:normAutofit/>
+          </a:bodyPr>
+          <a:lstStyle/>
+          <a:p>
+            <a:pPr algn="ctr"/>
+            <a:r>
+              <a:rPr lang="en-GB" sz="2800" dirty="0">
+                <a:latin typeface="Arial" panose="020B0604020202020204" pitchFamily="34" charset="0"/>
+                <a:cs typeface="Arial" panose="020B0604020202020204" pitchFamily="34" charset="0"/>
+              </a:rPr>
+              <a:t>And that’s the end! Thank you all!</a:t>
+            </a:r>
+          </a:p>
+        </p:txBody>
+      </p:sp>
+      <p:sp>
+        <p:nvSpPr>
+          <p:cNvPr id="1030" name="Rectangle 74">
+            <a:extLst>
+              <a:ext uri="{FF2B5EF4-FFF2-40B4-BE49-F238E27FC236}">
+                <a16:creationId xmlns:a16="http://schemas.microsoft.com/office/drawing/2014/main" id="{55D4142C-5077-457F-A6AD-3FECFDB39685}"/>
+              </a:ext>
+              <a:ext uri="{C183D7F6-B498-43B3-948B-1728B52AA6E4}">
+                <adec:decorative xmlns:adec="http://schemas.microsoft.com/office/drawing/2017/decorative" val="1"/>
+              </a:ext>
+            </a:extLst>
+          </p:cNvPr>
+          <p:cNvSpPr>
+            <a:spLocks noGrp="1" noRot="1" noChangeAspect="1" noMove="1" noResize="1" noEditPoints="1" noAdjustHandles="1" noChangeArrowheads="1" noChangeShapeType="1" noTextEdit="1"/>
+          </p:cNvSpPr>
+          <p:nvPr>
+            <p:extLst>
+              <p:ext uri="{386F3935-93C4-4BCD-93E2-E3B085C9AB24}">
+                <p16:designElem xmlns:p16="http://schemas.microsoft.com/office/powerpoint/2015/main" val="1"/>
+              </p:ext>
+            </p:extLst>
+          </p:nvPr>
+        </p:nvSpPr>
+        <p:spPr>
+          <a:xfrm rot="5400000">
+            <a:off x="662559" y="605790"/>
+            <a:ext cx="73152" cy="548640"/>
           </a:xfrm>
           <a:prstGeom prst="rect">
             <a:avLst/>
           </a:prstGeom>
           <a:solidFill>
-            <a:schemeClr val="accent5"/>
+            <a:schemeClr val="accent2"/>
           </a:solidFill>
           <a:ln>
             <a:noFill/>
@@ -17325,49 +17523,105 @@
           <a:lstStyle/>
           <a:p>
             <a:pPr algn="ctr"/>
-            <a:endParaRPr lang="en-US"/>
+            <a:endParaRPr lang="en-US">
+              <a:solidFill>
+                <a:prstClr val="white"/>
+              </a:solidFill>
+              <a:latin typeface="Calibri" panose="020F0502020204030204"/>
+            </a:endParaRPr>
           </a:p>
         </p:txBody>
       </p:sp>
       <p:sp>
         <p:nvSpPr>
-          <p:cNvPr id="2" name="Title 1">
+          <p:cNvPr id="77" name="Rectangle 76">
             <a:extLst>
               <a:ext uri="{FF2B5EF4-FFF2-40B4-BE49-F238E27FC236}">
-                <a16:creationId xmlns:a16="http://schemas.microsoft.com/office/drawing/2014/main" id="{64F2D889-C6E4-45AC-883D-F28FB7EBB663}"/>
+                <a16:creationId xmlns:a16="http://schemas.microsoft.com/office/drawing/2014/main" id="{7A5F0580-5EE9-419F-96EE-B6529EF6E7D0}"/>
+              </a:ext>
+              <a:ext uri="{C183D7F6-B498-43B3-948B-1728B52AA6E4}">
+                <adec:decorative xmlns:adec="http://schemas.microsoft.com/office/drawing/2017/decorative" val="1"/>
               </a:ext>
             </a:extLst>
           </p:cNvPr>
           <p:cNvSpPr>
-            <a:spLocks noGrp="1"/>
-          </p:cNvSpPr>
-          <p:nvPr>
-            <p:ph type="title"/>
+            <a:spLocks noGrp="1" noRot="1" noChangeAspect="1" noMove="1" noResize="1" noEditPoints="1" noAdjustHandles="1" noChangeArrowheads="1" noChangeShapeType="1" noTextEdit="1"/>
+          </p:cNvSpPr>
+          <p:nvPr>
+            <p:extLst>
+              <p:ext uri="{386F3935-93C4-4BCD-93E2-E3B085C9AB24}">
+                <p16:designElem xmlns:p16="http://schemas.microsoft.com/office/powerpoint/2015/main" val="1"/>
+              </p:ext>
+            </p:extLst>
           </p:nvPr>
         </p:nvSpPr>
         <p:spPr>
           <a:xfrm>
-            <a:off x="838200" y="365125"/>
-            <a:ext cx="10515600" cy="1325563"/>
+            <a:off x="428244" y="2443480"/>
+            <a:ext cx="3300984" cy="18288"/>
           </a:xfrm>
+          <a:prstGeom prst="rect">
+            <a:avLst/>
+          </a:prstGeom>
+          <a:solidFill>
+            <a:schemeClr val="tx1"/>
+          </a:solidFill>
+          <a:ln w="3175">
+            <a:noFill/>
+          </a:ln>
+          <a:effectLst/>
         </p:spPr>
+        <p:style>
+          <a:lnRef idx="2">
+            <a:schemeClr val="accent1">
+              <a:shade val="50000"/>
+            </a:schemeClr>
+          </a:lnRef>
+          <a:fillRef idx="1">
+            <a:schemeClr val="accent1"/>
+          </a:fillRef>
+          <a:effectRef idx="0">
+            <a:schemeClr val="accent1"/>
+          </a:effectRef>
+          <a:fontRef idx="minor">
+            <a:schemeClr val="lt1"/>
+          </a:fontRef>
+        </p:style>
         <p:txBody>
-          <a:bodyPr>
-            <a:normAutofit/>
-          </a:bodyPr>
+          <a:bodyPr rtlCol="0" anchor="ctr"/>
           <a:lstStyle/>
           <a:p>
-            <a:pPr algn="ctr"/>
-            <a:r>
-              <a:rPr lang="en-GB" sz="4600">
-                <a:solidFill>
-                  <a:srgbClr val="FFFFFF"/>
-                </a:solidFill>
-                <a:latin typeface="Arial" panose="020B0604020202020204" pitchFamily="34" charset="0"/>
-                <a:cs typeface="Arial" panose="020B0604020202020204" pitchFamily="34" charset="0"/>
-              </a:rPr>
-              <a:t>Thank you!</a:t>
-            </a:r>
+            <a:pPr marL="0" marR="0" lvl="0" indent="0" algn="ctr" defTabSz="914400" rtl="0" eaLnBrk="1" fontAlgn="auto" latinLnBrk="0" hangingPunct="1">
+              <a:lnSpc>
+                <a:spcPct val="100000"/>
+              </a:lnSpc>
+              <a:spcBef>
+                <a:spcPts val="0"/>
+              </a:spcBef>
+              <a:spcAft>
+                <a:spcPts val="0"/>
+              </a:spcAft>
+              <a:buClrTx/>
+              <a:buSzTx/>
+              <a:buFontTx/>
+              <a:buNone/>
+              <a:tabLst/>
+              <a:defRPr/>
+            </a:pPr>
+            <a:endParaRPr kumimoji="0" lang="en-US" sz="1800" b="0" i="0" u="none" strike="noStrike" kern="1200" cap="none" spc="0" normalizeH="0" baseline="0" noProof="0">
+              <a:ln>
+                <a:noFill/>
+              </a:ln>
+              <a:solidFill>
+                <a:prstClr val="white"/>
+              </a:solidFill>
+              <a:effectLst/>
+              <a:uLnTx/>
+              <a:uFillTx/>
+              <a:latin typeface="Calibri" panose="020F0502020204030204"/>
+              <a:ea typeface="+mn-ea"/>
+              <a:cs typeface="+mn-cs"/>
+            </a:endParaRPr>
           </a:p>
         </p:txBody>
       </p:sp>
@@ -17389,18 +17643,18 @@
         </p:nvSpPr>
         <p:spPr>
           <a:xfrm>
-            <a:off x="838200" y="2438400"/>
-            <a:ext cx="10515600" cy="3738562"/>
+            <a:off x="371094" y="2718054"/>
+            <a:ext cx="3438906" cy="3207258"/>
           </a:xfrm>
         </p:spPr>
         <p:txBody>
-          <a:bodyPr>
+          <a:bodyPr anchor="t">
             <a:normAutofit/>
           </a:bodyPr>
           <a:lstStyle/>
           <a:p>
             <a:r>
-              <a:rPr lang="en-GB" sz="2600" dirty="0"/>
+              <a:rPr lang="en-GB" sz="1700" dirty="0"/>
               <a:t>Instructor: Aqeeb Hussain</a:t>
             </a:r>
           </a:p>
@@ -17408,12 +17662,22 @@
             <a:pPr marL="0" indent="0">
               <a:buNone/>
             </a:pPr>
-            <a:endParaRPr lang="en-GB" sz="2600" dirty="0"/>
+            <a:endParaRPr lang="en-GB" sz="1700" dirty="0"/>
           </a:p>
           <a:p>
             <a:r>
-              <a:rPr lang="en-GB" sz="2600" dirty="0"/>
-              <a:t>GitHub: https://github.com/aqeebhussain122/</a:t>
+              <a:rPr lang="en-GB" sz="1700" dirty="0"/>
+              <a:t>GitHub: </a:t>
+            </a:r>
+            <a:r>
+              <a:rPr lang="en-GB" sz="1700" dirty="0">
+                <a:hlinkClick r:id="rId3"/>
+              </a:rPr>
+              <a:t>https://github.com/aqeebhussain122/hpc-offensive-security</a:t>
+            </a:r>
+            <a:r>
+              <a:rPr lang="en-GB" sz="1700" dirty="0"/>
+              <a:t> </a:t>
             </a:r>
           </a:p>
         </p:txBody>
@@ -17422,6 +17686,595 @@
     <p:extLst>
       <p:ext uri="{BB962C8B-B14F-4D97-AF65-F5344CB8AC3E}">
         <p14:creationId xmlns:p14="http://schemas.microsoft.com/office/powerpoint/2010/main" val="1711778981"/>
+      </p:ext>
+    </p:extLst>
+  </p:cSld>
+  <p:clrMapOvr>
+    <a:overrideClrMapping bg1="dk1" tx1="lt1" bg2="dk2" tx2="lt2" accent1="accent1" accent2="accent2" accent3="accent3" accent4="accent4" accent5="accent5" accent6="accent6" hlink="hlink" folHlink="folHlink"/>
+  </p:clrMapOvr>
+</p:sld>
+</file>
+
+<file path=ppt/slides/slide26.xml><?xml version="1.0" encoding="utf-8"?>
+<p:sld xmlns:a="http://schemas.openxmlformats.org/drawingml/2006/main" xmlns:r="http://schemas.openxmlformats.org/officeDocument/2006/relationships" xmlns:p="http://schemas.openxmlformats.org/presentationml/2006/main">
+  <p:cSld>
+    <p:bg>
+      <p:bgPr>
+        <a:solidFill>
+          <a:schemeClr val="bg1">
+            <a:tint val="95000"/>
+            <a:satMod val="170000"/>
+          </a:schemeClr>
+        </a:solidFill>
+        <a:effectLst/>
+      </p:bgPr>
+    </p:bg>
+    <p:spTree>
+      <p:nvGrpSpPr>
+        <p:cNvPr id="1" name=""/>
+        <p:cNvGrpSpPr/>
+        <p:nvPr/>
+      </p:nvGrpSpPr>
+      <p:grpSpPr>
+        <a:xfrm>
+          <a:off x="0" y="0"/>
+          <a:ext cx="0" cy="0"/>
+          <a:chOff x="0" y="0"/>
+          <a:chExt cx="0" cy="0"/>
+        </a:xfrm>
+      </p:grpSpPr>
+      <p:sp>
+        <p:nvSpPr>
+          <p:cNvPr id="10" name="Rectangle 9">
+            <a:extLst>
+              <a:ext uri="{FF2B5EF4-FFF2-40B4-BE49-F238E27FC236}">
+                <a16:creationId xmlns:a16="http://schemas.microsoft.com/office/drawing/2014/main" id="{5B32A67F-3598-4A13-8552-DA884FFCCE57}"/>
+              </a:ext>
+              <a:ext uri="{C183D7F6-B498-43B3-948B-1728B52AA6E4}">
+                <adec:decorative xmlns:adec="http://schemas.microsoft.com/office/drawing/2017/decorative" val="1"/>
+              </a:ext>
+            </a:extLst>
+          </p:cNvPr>
+          <p:cNvSpPr>
+            <a:spLocks noGrp="1" noRot="1" noChangeAspect="1" noMove="1" noResize="1" noEditPoints="1" noAdjustHandles="1" noChangeArrowheads="1" noChangeShapeType="1" noTextEdit="1"/>
+          </p:cNvSpPr>
+          <p:nvPr>
+            <p:extLst>
+              <p:ext uri="{386F3935-93C4-4BCD-93E2-E3B085C9AB24}">
+                <p16:designElem xmlns:p16="http://schemas.microsoft.com/office/powerpoint/2015/main" val="1"/>
+              </p:ext>
+            </p:extLst>
+          </p:nvPr>
+        </p:nvSpPr>
+        <p:spPr>
+          <a:xfrm>
+            <a:off x="0" y="0"/>
+            <a:ext cx="12192000" cy="6858000"/>
+          </a:xfrm>
+          <a:prstGeom prst="rect">
+            <a:avLst/>
+          </a:prstGeom>
+          <a:solidFill>
+            <a:schemeClr val="tx1">
+              <a:lumMod val="75000"/>
+              <a:lumOff val="25000"/>
+            </a:schemeClr>
+          </a:solidFill>
+          <a:ln>
+            <a:noFill/>
+          </a:ln>
+        </p:spPr>
+        <p:style>
+          <a:lnRef idx="2">
+            <a:schemeClr val="accent1">
+              <a:shade val="50000"/>
+            </a:schemeClr>
+          </a:lnRef>
+          <a:fillRef idx="1">
+            <a:schemeClr val="accent1"/>
+          </a:fillRef>
+          <a:effectRef idx="0">
+            <a:schemeClr val="accent1"/>
+          </a:effectRef>
+          <a:fontRef idx="minor">
+            <a:schemeClr val="lt1"/>
+          </a:fontRef>
+        </p:style>
+        <p:txBody>
+          <a:bodyPr rtlCol="0" anchor="ctr"/>
+          <a:lstStyle/>
+          <a:p>
+            <a:pPr algn="ctr"/>
+            <a:endParaRPr lang="en-US"/>
+          </a:p>
+        </p:txBody>
+      </p:sp>
+      <p:sp>
+        <p:nvSpPr>
+          <p:cNvPr id="2" name="Title 1">
+            <a:extLst>
+              <a:ext uri="{FF2B5EF4-FFF2-40B4-BE49-F238E27FC236}">
+                <a16:creationId xmlns:a16="http://schemas.microsoft.com/office/drawing/2014/main" id="{3E033792-3FF9-406B-932D-26E40AF17E32}"/>
+              </a:ext>
+            </a:extLst>
+          </p:cNvPr>
+          <p:cNvSpPr>
+            <a:spLocks noGrp="1"/>
+          </p:cNvSpPr>
+          <p:nvPr>
+            <p:ph type="title"/>
+          </p:nvPr>
+        </p:nvSpPr>
+        <p:spPr>
+          <a:xfrm>
+            <a:off x="804673" y="3320859"/>
+            <a:ext cx="4573475" cy="2076333"/>
+          </a:xfrm>
+        </p:spPr>
+        <p:txBody>
+          <a:bodyPr vert="horz" lIns="91440" tIns="45720" rIns="91440" bIns="45720" rtlCol="0" anchor="t">
+            <a:normAutofit/>
+          </a:bodyPr>
+          <a:lstStyle/>
+          <a:p>
+            <a:pPr algn="ctr"/>
+            <a:r>
+              <a:rPr lang="en-US" sz="4800" kern="1200" dirty="0">
+                <a:solidFill>
+                  <a:schemeClr val="bg1"/>
+                </a:solidFill>
+                <a:latin typeface="+mj-lt"/>
+                <a:ea typeface="+mj-ea"/>
+                <a:cs typeface="+mj-cs"/>
+              </a:rPr>
+              <a:t>The End</a:t>
+            </a:r>
+          </a:p>
+        </p:txBody>
+      </p:sp>
+      <p:sp>
+        <p:nvSpPr>
+          <p:cNvPr id="12" name="Freeform: Shape 11">
+            <a:extLst>
+              <a:ext uri="{FF2B5EF4-FFF2-40B4-BE49-F238E27FC236}">
+                <a16:creationId xmlns:a16="http://schemas.microsoft.com/office/drawing/2014/main" id="{BCC55ACC-A2F6-403C-A3A4-D59B3734D45F}"/>
+              </a:ext>
+              <a:ext uri="{C183D7F6-B498-43B3-948B-1728B52AA6E4}">
+                <adec:decorative xmlns:adec="http://schemas.microsoft.com/office/drawing/2017/decorative" val="1"/>
+              </a:ext>
+            </a:extLst>
+          </p:cNvPr>
+          <p:cNvSpPr>
+            <a:spLocks noGrp="1" noRot="1" noChangeAspect="1" noMove="1" noResize="1" noEditPoints="1" noAdjustHandles="1" noChangeArrowheads="1" noChangeShapeType="1" noTextEdit="1"/>
+          </p:cNvSpPr>
+          <p:nvPr>
+            <p:extLst>
+              <p:ext uri="{386F3935-93C4-4BCD-93E2-E3B085C9AB24}">
+                <p16:designElem xmlns:p16="http://schemas.microsoft.com/office/powerpoint/2015/main" val="1"/>
+              </p:ext>
+            </p:extLst>
+          </p:nvPr>
+        </p:nvSpPr>
+        <p:spPr>
+          <a:xfrm>
+            <a:off x="5857312" y="381000"/>
+            <a:ext cx="6334689" cy="6477000"/>
+          </a:xfrm>
+          <a:custGeom>
+            <a:avLst/>
+            <a:gdLst>
+              <a:gd name="connsiteX0" fmla="*/ 3561588 w 6334689"/>
+              <a:gd name="connsiteY0" fmla="*/ 0 h 6477000"/>
+              <a:gd name="connsiteX1" fmla="*/ 6309883 w 6334689"/>
+              <a:gd name="connsiteY1" fmla="*/ 1296087 h 6477000"/>
+              <a:gd name="connsiteX2" fmla="*/ 6334689 w 6334689"/>
+              <a:gd name="connsiteY2" fmla="*/ 1329261 h 6477000"/>
+              <a:gd name="connsiteX3" fmla="*/ 6334689 w 6334689"/>
+              <a:gd name="connsiteY3" fmla="*/ 5793916 h 6477000"/>
+              <a:gd name="connsiteX4" fmla="*/ 6309883 w 6334689"/>
+              <a:gd name="connsiteY4" fmla="*/ 5827089 h 6477000"/>
+              <a:gd name="connsiteX5" fmla="*/ 5760467 w 6334689"/>
+              <a:gd name="connsiteY5" fmla="*/ 6363539 h 6477000"/>
+              <a:gd name="connsiteX6" fmla="*/ 5607796 w 6334689"/>
+              <a:gd name="connsiteY6" fmla="*/ 6477000 h 6477000"/>
+              <a:gd name="connsiteX7" fmla="*/ 1519571 w 6334689"/>
+              <a:gd name="connsiteY7" fmla="*/ 6477000 h 6477000"/>
+              <a:gd name="connsiteX8" fmla="*/ 1296088 w 6334689"/>
+              <a:gd name="connsiteY8" fmla="*/ 6309883 h 6477000"/>
+              <a:gd name="connsiteX9" fmla="*/ 0 w 6334689"/>
+              <a:gd name="connsiteY9" fmla="*/ 3561588 h 6477000"/>
+              <a:gd name="connsiteX10" fmla="*/ 3561588 w 6334689"/>
+              <a:gd name="connsiteY10" fmla="*/ 0 h 6477000"/>
+            </a:gdLst>
+            <a:ahLst/>
+            <a:cxnLst>
+              <a:cxn ang="0">
+                <a:pos x="connsiteX0" y="connsiteY0"/>
+              </a:cxn>
+              <a:cxn ang="0">
+                <a:pos x="connsiteX1" y="connsiteY1"/>
+              </a:cxn>
+              <a:cxn ang="0">
+                <a:pos x="connsiteX2" y="connsiteY2"/>
+              </a:cxn>
+              <a:cxn ang="0">
+                <a:pos x="connsiteX3" y="connsiteY3"/>
+              </a:cxn>
+              <a:cxn ang="0">
+                <a:pos x="connsiteX4" y="connsiteY4"/>
+              </a:cxn>
+              <a:cxn ang="0">
+                <a:pos x="connsiteX5" y="connsiteY5"/>
+              </a:cxn>
+              <a:cxn ang="0">
+                <a:pos x="connsiteX6" y="connsiteY6"/>
+              </a:cxn>
+              <a:cxn ang="0">
+                <a:pos x="connsiteX7" y="connsiteY7"/>
+              </a:cxn>
+              <a:cxn ang="0">
+                <a:pos x="connsiteX8" y="connsiteY8"/>
+              </a:cxn>
+              <a:cxn ang="0">
+                <a:pos x="connsiteX9" y="connsiteY9"/>
+              </a:cxn>
+              <a:cxn ang="0">
+                <a:pos x="connsiteX10" y="connsiteY10"/>
+              </a:cxn>
+            </a:cxnLst>
+            <a:rect l="l" t="t" r="r" b="b"/>
+            <a:pathLst>
+              <a:path w="6334689" h="6477000">
+                <a:moveTo>
+                  <a:pt x="3561588" y="0"/>
+                </a:moveTo>
+                <a:cubicBezTo>
+                  <a:pt x="4668032" y="0"/>
+                  <a:pt x="5656635" y="504534"/>
+                  <a:pt x="6309883" y="1296087"/>
+                </a:cubicBezTo>
+                <a:lnTo>
+                  <a:pt x="6334689" y="1329261"/>
+                </a:lnTo>
+                <a:lnTo>
+                  <a:pt x="6334689" y="5793916"/>
+                </a:lnTo>
+                <a:lnTo>
+                  <a:pt x="6309883" y="5827089"/>
+                </a:lnTo>
+                <a:cubicBezTo>
+                  <a:pt x="6146571" y="6024977"/>
+                  <a:pt x="5962299" y="6204927"/>
+                  <a:pt x="5760467" y="6363539"/>
+                </a:cubicBezTo>
+                <a:lnTo>
+                  <a:pt x="5607796" y="6477000"/>
+                </a:lnTo>
+                <a:lnTo>
+                  <a:pt x="1519571" y="6477000"/>
+                </a:lnTo>
+                <a:lnTo>
+                  <a:pt x="1296088" y="6309883"/>
+                </a:lnTo>
+                <a:cubicBezTo>
+                  <a:pt x="504535" y="5656635"/>
+                  <a:pt x="0" y="4668032"/>
+                  <a:pt x="0" y="3561588"/>
+                </a:cubicBezTo>
+                <a:cubicBezTo>
+                  <a:pt x="0" y="1594577"/>
+                  <a:pt x="1594577" y="0"/>
+                  <a:pt x="3561588" y="0"/>
+                </a:cubicBezTo>
+                <a:close/>
+              </a:path>
+            </a:pathLst>
+          </a:custGeom>
+          <a:solidFill>
+            <a:schemeClr val="bg1">
+              <a:alpha val="80000"/>
+            </a:schemeClr>
+          </a:solidFill>
+          <a:ln>
+            <a:noFill/>
+          </a:ln>
+        </p:spPr>
+        <p:style>
+          <a:lnRef idx="2">
+            <a:schemeClr val="accent1">
+              <a:shade val="50000"/>
+            </a:schemeClr>
+          </a:lnRef>
+          <a:fillRef idx="1">
+            <a:schemeClr val="accent1"/>
+          </a:fillRef>
+          <a:effectRef idx="0">
+            <a:schemeClr val="accent1"/>
+          </a:effectRef>
+          <a:fontRef idx="minor">
+            <a:schemeClr val="lt1"/>
+          </a:fontRef>
+        </p:style>
+        <p:txBody>
+          <a:bodyPr rtlCol="0" anchor="ctr"/>
+          <a:lstStyle/>
+          <a:p>
+            <a:pPr marL="0" marR="0" lvl="0" indent="0" algn="ctr" defTabSz="914400" rtl="0" eaLnBrk="1" fontAlgn="auto" latinLnBrk="0" hangingPunct="1">
+              <a:lnSpc>
+                <a:spcPct val="100000"/>
+              </a:lnSpc>
+              <a:spcBef>
+                <a:spcPts val="0"/>
+              </a:spcBef>
+              <a:spcAft>
+                <a:spcPts val="0"/>
+              </a:spcAft>
+              <a:buClrTx/>
+              <a:buSzTx/>
+              <a:buFontTx/>
+              <a:buNone/>
+              <a:tabLst/>
+              <a:defRPr/>
+            </a:pPr>
+            <a:endParaRPr kumimoji="0" lang="en-US" sz="1800" b="0" i="0" u="none" strike="noStrike" kern="1200" cap="none" spc="0" normalizeH="0" baseline="0" noProof="0">
+              <a:ln>
+                <a:noFill/>
+              </a:ln>
+              <a:solidFill>
+                <a:prstClr val="white"/>
+              </a:solidFill>
+              <a:effectLst/>
+              <a:uLnTx/>
+              <a:uFillTx/>
+              <a:latin typeface="Calibri" panose="020F0502020204030204"/>
+              <a:ea typeface="+mn-ea"/>
+              <a:cs typeface="+mn-cs"/>
+            </a:endParaRPr>
+          </a:p>
+        </p:txBody>
+      </p:sp>
+      <p:sp>
+        <p:nvSpPr>
+          <p:cNvPr id="14" name="Freeform: Shape 13">
+            <a:extLst>
+              <a:ext uri="{FF2B5EF4-FFF2-40B4-BE49-F238E27FC236}">
+                <a16:creationId xmlns:a16="http://schemas.microsoft.com/office/drawing/2014/main" id="{598EBA13-C937-430B-9523-439FE21096E6}"/>
+              </a:ext>
+              <a:ext uri="{C183D7F6-B498-43B3-948B-1728B52AA6E4}">
+                <adec:decorative xmlns:adec="http://schemas.microsoft.com/office/drawing/2017/decorative" val="1"/>
+              </a:ext>
+            </a:extLst>
+          </p:cNvPr>
+          <p:cNvSpPr>
+            <a:spLocks noGrp="1" noRot="1" noChangeAspect="1" noMove="1" noResize="1" noEditPoints="1" noAdjustHandles="1" noChangeArrowheads="1" noChangeShapeType="1" noTextEdit="1"/>
+          </p:cNvSpPr>
+          <p:nvPr>
+            <p:extLst>
+              <p:ext uri="{386F3935-93C4-4BCD-93E2-E3B085C9AB24}">
+                <p16:designElem xmlns:p16="http://schemas.microsoft.com/office/powerpoint/2015/main" val="1"/>
+              </p:ext>
+            </p:extLst>
+          </p:nvPr>
+        </p:nvSpPr>
+        <p:spPr>
+          <a:xfrm>
+            <a:off x="6021086" y="544777"/>
+            <a:ext cx="6170914" cy="6313225"/>
+          </a:xfrm>
+          <a:custGeom>
+            <a:avLst/>
+            <a:gdLst>
+              <a:gd name="connsiteX0" fmla="*/ 3397813 w 6170914"/>
+              <a:gd name="connsiteY0" fmla="*/ 0 h 6313225"/>
+              <a:gd name="connsiteX1" fmla="*/ 6019731 w 6170914"/>
+              <a:gd name="connsiteY1" fmla="*/ 1236489 h 6313225"/>
+              <a:gd name="connsiteX2" fmla="*/ 6170914 w 6170914"/>
+              <a:gd name="connsiteY2" fmla="*/ 1438663 h 6313225"/>
+              <a:gd name="connsiteX3" fmla="*/ 6170914 w 6170914"/>
+              <a:gd name="connsiteY3" fmla="*/ 5356963 h 6313225"/>
+              <a:gd name="connsiteX4" fmla="*/ 6019731 w 6170914"/>
+              <a:gd name="connsiteY4" fmla="*/ 5559138 h 6313225"/>
+              <a:gd name="connsiteX5" fmla="*/ 5194591 w 6170914"/>
+              <a:gd name="connsiteY5" fmla="*/ 6282226 h 6313225"/>
+              <a:gd name="connsiteX6" fmla="*/ 5141791 w 6170914"/>
+              <a:gd name="connsiteY6" fmla="*/ 6313225 h 6313225"/>
+              <a:gd name="connsiteX7" fmla="*/ 1659199 w 6170914"/>
+              <a:gd name="connsiteY7" fmla="*/ 6313225 h 6313225"/>
+              <a:gd name="connsiteX8" fmla="*/ 1498064 w 6170914"/>
+              <a:gd name="connsiteY8" fmla="*/ 6215333 h 6313225"/>
+              <a:gd name="connsiteX9" fmla="*/ 0 w 6170914"/>
+              <a:gd name="connsiteY9" fmla="*/ 3397813 h 6313225"/>
+              <a:gd name="connsiteX10" fmla="*/ 3397813 w 6170914"/>
+              <a:gd name="connsiteY10" fmla="*/ 0 h 6313225"/>
+            </a:gdLst>
+            <a:ahLst/>
+            <a:cxnLst>
+              <a:cxn ang="0">
+                <a:pos x="connsiteX0" y="connsiteY0"/>
+              </a:cxn>
+              <a:cxn ang="0">
+                <a:pos x="connsiteX1" y="connsiteY1"/>
+              </a:cxn>
+              <a:cxn ang="0">
+                <a:pos x="connsiteX2" y="connsiteY2"/>
+              </a:cxn>
+              <a:cxn ang="0">
+                <a:pos x="connsiteX3" y="connsiteY3"/>
+              </a:cxn>
+              <a:cxn ang="0">
+                <a:pos x="connsiteX4" y="connsiteY4"/>
+              </a:cxn>
+              <a:cxn ang="0">
+                <a:pos x="connsiteX5" y="connsiteY5"/>
+              </a:cxn>
+              <a:cxn ang="0">
+                <a:pos x="connsiteX6" y="connsiteY6"/>
+              </a:cxn>
+              <a:cxn ang="0">
+                <a:pos x="connsiteX7" y="connsiteY7"/>
+              </a:cxn>
+              <a:cxn ang="0">
+                <a:pos x="connsiteX8" y="connsiteY8"/>
+              </a:cxn>
+              <a:cxn ang="0">
+                <a:pos x="connsiteX9" y="connsiteY9"/>
+              </a:cxn>
+              <a:cxn ang="0">
+                <a:pos x="connsiteX10" y="connsiteY10"/>
+              </a:cxn>
+            </a:cxnLst>
+            <a:rect l="l" t="t" r="r" b="b"/>
+            <a:pathLst>
+              <a:path w="6170914" h="6313225">
+                <a:moveTo>
+                  <a:pt x="3397813" y="0"/>
+                </a:moveTo>
+                <a:cubicBezTo>
+                  <a:pt x="4453378" y="0"/>
+                  <a:pt x="5396522" y="481334"/>
+                  <a:pt x="6019731" y="1236489"/>
+                </a:cubicBezTo>
+                <a:lnTo>
+                  <a:pt x="6170914" y="1438663"/>
+                </a:lnTo>
+                <a:lnTo>
+                  <a:pt x="6170914" y="5356963"/>
+                </a:lnTo>
+                <a:lnTo>
+                  <a:pt x="6019731" y="5559138"/>
+                </a:lnTo>
+                <a:cubicBezTo>
+                  <a:pt x="5786028" y="5842321"/>
+                  <a:pt x="5507333" y="6086998"/>
+                  <a:pt x="5194591" y="6282226"/>
+                </a:cubicBezTo>
+                <a:lnTo>
+                  <a:pt x="5141791" y="6313225"/>
+                </a:lnTo>
+                <a:lnTo>
+                  <a:pt x="1659199" y="6313225"/>
+                </a:lnTo>
+                <a:lnTo>
+                  <a:pt x="1498064" y="6215333"/>
+                </a:lnTo>
+                <a:cubicBezTo>
+                  <a:pt x="594240" y="5604721"/>
+                  <a:pt x="0" y="4570663"/>
+                  <a:pt x="0" y="3397813"/>
+                </a:cubicBezTo>
+                <a:cubicBezTo>
+                  <a:pt x="0" y="1521253"/>
+                  <a:pt x="1521253" y="0"/>
+                  <a:pt x="3397813" y="0"/>
+                </a:cubicBezTo>
+                <a:close/>
+              </a:path>
+            </a:pathLst>
+          </a:custGeom>
+          <a:solidFill>
+            <a:schemeClr val="bg1"/>
+          </a:solidFill>
+          <a:ln>
+            <a:noFill/>
+          </a:ln>
+        </p:spPr>
+        <p:style>
+          <a:lnRef idx="2">
+            <a:schemeClr val="accent1">
+              <a:shade val="50000"/>
+            </a:schemeClr>
+          </a:lnRef>
+          <a:fillRef idx="1">
+            <a:schemeClr val="accent1"/>
+          </a:fillRef>
+          <a:effectRef idx="0">
+            <a:schemeClr val="accent1"/>
+          </a:effectRef>
+          <a:fontRef idx="minor">
+            <a:schemeClr val="lt1"/>
+          </a:fontRef>
+        </p:style>
+        <p:txBody>
+          <a:bodyPr rtlCol="0" anchor="ctr"/>
+          <a:lstStyle/>
+          <a:p>
+            <a:pPr marL="0" marR="0" lvl="0" indent="0" algn="ctr" defTabSz="914400" rtl="0" eaLnBrk="1" fontAlgn="auto" latinLnBrk="0" hangingPunct="1">
+              <a:lnSpc>
+                <a:spcPct val="100000"/>
+              </a:lnSpc>
+              <a:spcBef>
+                <a:spcPts val="0"/>
+              </a:spcBef>
+              <a:spcAft>
+                <a:spcPts val="0"/>
+              </a:spcAft>
+              <a:buClrTx/>
+              <a:buSzTx/>
+              <a:buFontTx/>
+              <a:buNone/>
+              <a:tabLst/>
+              <a:defRPr/>
+            </a:pPr>
+            <a:endParaRPr kumimoji="0" lang="en-US" sz="1800" b="0" i="0" u="none" strike="noStrike" kern="1200" cap="none" spc="0" normalizeH="0" baseline="0" noProof="0">
+              <a:ln>
+                <a:noFill/>
+              </a:ln>
+              <a:solidFill>
+                <a:prstClr val="white"/>
+              </a:solidFill>
+              <a:effectLst/>
+              <a:uLnTx/>
+              <a:uFillTx/>
+              <a:latin typeface="Calibri" panose="020F0502020204030204"/>
+              <a:ea typeface="+mn-ea"/>
+              <a:cs typeface="+mn-cs"/>
+            </a:endParaRPr>
+          </a:p>
+        </p:txBody>
+      </p:sp>
+      <p:pic>
+        <p:nvPicPr>
+          <p:cNvPr id="7" name="Graphic 6" descr="Smiling Face with No Fill">
+            <a:extLst>
+              <a:ext uri="{FF2B5EF4-FFF2-40B4-BE49-F238E27FC236}">
+                <a16:creationId xmlns:a16="http://schemas.microsoft.com/office/drawing/2014/main" id="{2586140C-AF61-5AE6-EFF9-BBC74346E587}"/>
+              </a:ext>
+            </a:extLst>
+          </p:cNvPr>
+          <p:cNvPicPr>
+            <a:picLocks noChangeAspect="1"/>
+          </p:cNvPicPr>
+          <p:nvPr/>
+        </p:nvPicPr>
+        <p:blipFill>
+          <a:blip r:embed="rId3">
+            <a:extLst>
+              <a:ext uri="{28A0092B-C50C-407E-A947-70E740481C1C}">
+                <a14:useLocalDpi xmlns:a14="http://schemas.microsoft.com/office/drawing/2010/main" val="0"/>
+              </a:ext>
+              <a:ext uri="{96DAC541-7B7A-43D3-8B79-37D633B846F1}">
+                <asvg:svgBlip xmlns:asvg="http://schemas.microsoft.com/office/drawing/2016/SVG/main" r:embed="rId4"/>
+              </a:ext>
+            </a:extLst>
+          </a:blip>
+          <a:stretch>
+            <a:fillRect/>
+          </a:stretch>
+        </p:blipFill>
+        <p:spPr>
+          <a:xfrm>
+            <a:off x="7210424" y="1845770"/>
+            <a:ext cx="4333875" cy="4333875"/>
+          </a:xfrm>
+          <a:prstGeom prst="rect">
+            <a:avLst/>
+          </a:prstGeom>
+        </p:spPr>
+      </p:pic>
+    </p:spTree>
+    <p:extLst>
+      <p:ext uri="{BB962C8B-B14F-4D97-AF65-F5344CB8AC3E}">
+        <p14:creationId xmlns:p14="http://schemas.microsoft.com/office/powerpoint/2010/main" val="3733274940"/>
       </p:ext>
     </p:extLst>
   </p:cSld>

--- a/13 - Offensive Security Tactics for Linux Professionals - Putting it all together.pptx
+++ b/13 - Offensive Security Tactics for Linux Professionals - Putting it all together.pptx
@@ -12282,10 +12282,10 @@
       </p:sp>
       <p:pic>
         <p:nvPicPr>
-          <p:cNvPr id="5" name="Picture 4">
+          <p:cNvPr id="4" name="Picture 3">
             <a:extLst>
               <a:ext uri="{FF2B5EF4-FFF2-40B4-BE49-F238E27FC236}">
-                <a16:creationId xmlns:a16="http://schemas.microsoft.com/office/drawing/2014/main" id="{F5649BF8-2DC5-4FC0-A474-01245127C83F}"/>
+                <a16:creationId xmlns:a16="http://schemas.microsoft.com/office/drawing/2014/main" id="{7A3E18F7-D189-448C-BFB7-C25A97953196}"/>
               </a:ext>
             </a:extLst>
           </p:cNvPr>
@@ -12302,8 +12302,8 @@
         </p:blipFill>
         <p:spPr>
           <a:xfrm>
-            <a:off x="1149154" y="1966293"/>
-            <a:ext cx="9893691" cy="4452160"/>
+            <a:off x="1185175" y="1991181"/>
+            <a:ext cx="9821646" cy="4448796"/>
           </a:xfrm>
           <a:prstGeom prst="rect">
             <a:avLst/>
@@ -12372,59 +12372,6 @@
                                         <p:cTn id="7" dur="500"/>
                                         <p:tgtEl>
                                           <p:spTgt spid="2"/>
-                                        </p:tgtEl>
-                                      </p:cBhvr>
-                                    </p:animEffect>
-                                  </p:childTnLst>
-                                </p:cTn>
-                              </p:par>
-                            </p:childTnLst>
-                          </p:cTn>
-                        </p:par>
-                      </p:childTnLst>
-                    </p:cTn>
-                  </p:par>
-                  <p:par>
-                    <p:cTn id="8" fill="hold">
-                      <p:stCondLst>
-                        <p:cond delay="indefinite"/>
-                      </p:stCondLst>
-                      <p:childTnLst>
-                        <p:par>
-                          <p:cTn id="9" fill="hold">
-                            <p:stCondLst>
-                              <p:cond delay="0"/>
-                            </p:stCondLst>
-                            <p:childTnLst>
-                              <p:par>
-                                <p:cTn id="10" presetID="10" presetClass="entr" presetSubtype="0" fill="hold" nodeType="clickEffect">
-                                  <p:stCondLst>
-                                    <p:cond delay="0"/>
-                                  </p:stCondLst>
-                                  <p:childTnLst>
-                                    <p:set>
-                                      <p:cBhvr>
-                                        <p:cTn id="11" dur="1" fill="hold">
-                                          <p:stCondLst>
-                                            <p:cond delay="0"/>
-                                          </p:stCondLst>
-                                        </p:cTn>
-                                        <p:tgtEl>
-                                          <p:spTgt spid="5"/>
-                                        </p:tgtEl>
-                                        <p:attrNameLst>
-                                          <p:attrName>style.visibility</p:attrName>
-                                        </p:attrNameLst>
-                                      </p:cBhvr>
-                                      <p:to>
-                                        <p:strVal val="visible"/>
-                                      </p:to>
-                                    </p:set>
-                                    <p:animEffect transition="in" filter="fade">
-                                      <p:cBhvr>
-                                        <p:cTn id="12" dur="500"/>
-                                        <p:tgtEl>
-                                          <p:spTgt spid="5"/>
                                         </p:tgtEl>
                                       </p:cBhvr>
                                     </p:animEffect>
@@ -22400,7 +22347,7 @@
           <a:p>
             <a:pPr algn="ctr"/>
             <a:r>
-              <a:rPr lang="en-US" sz="4000" kern="1200" dirty="0">
+              <a:rPr lang="en-US" sz="4000" kern="1200">
                 <a:solidFill>
                   <a:srgbClr val="FFFFFF"/>
                 </a:solidFill>
@@ -22409,15 +22356,22 @@
               </a:rPr>
               <a:t>Initial Access (Shell Script)</a:t>
             </a:r>
+            <a:endParaRPr lang="en-US" sz="4000" kern="1200" dirty="0">
+              <a:solidFill>
+                <a:srgbClr val="FFFFFF"/>
+              </a:solidFill>
+              <a:latin typeface="Arial" panose="020B0604020202020204" pitchFamily="34" charset="0"/>
+              <a:cs typeface="Arial" panose="020B0604020202020204" pitchFamily="34" charset="0"/>
+            </a:endParaRPr>
           </a:p>
         </p:txBody>
       </p:sp>
       <p:pic>
         <p:nvPicPr>
-          <p:cNvPr id="5" name="Picture 4">
+          <p:cNvPr id="4" name="Picture 3">
             <a:extLst>
               <a:ext uri="{FF2B5EF4-FFF2-40B4-BE49-F238E27FC236}">
-                <a16:creationId xmlns:a16="http://schemas.microsoft.com/office/drawing/2014/main" id="{22ADF099-9112-497A-B19C-92A8AE4F9234}"/>
+                <a16:creationId xmlns:a16="http://schemas.microsoft.com/office/drawing/2014/main" id="{BFCED8E3-4D76-43F8-9F42-1C15106840A2}"/>
               </a:ext>
             </a:extLst>
           </p:cNvPr>
@@ -22426,15 +22380,16 @@
           </p:cNvPicPr>
           <p:nvPr/>
         </p:nvPicPr>
-        <p:blipFill rotWithShape="1">
+        <p:blipFill>
           <a:blip r:embed="rId3"/>
-          <a:srcRect r="31385"/>
-          <a:stretch/>
+          <a:stretch>
+            <a:fillRect/>
+          </a:stretch>
         </p:blipFill>
         <p:spPr>
           <a:xfrm>
-            <a:off x="2994630" y="1999747"/>
-            <a:ext cx="6202739" cy="4452160"/>
+            <a:off x="2689396" y="1995944"/>
+            <a:ext cx="6182588" cy="4439270"/>
           </a:xfrm>
           <a:prstGeom prst="rect">
             <a:avLst/>
@@ -22503,59 +22458,6 @@
                                         <p:cTn id="7" dur="500"/>
                                         <p:tgtEl>
                                           <p:spTgt spid="2"/>
-                                        </p:tgtEl>
-                                      </p:cBhvr>
-                                    </p:animEffect>
-                                  </p:childTnLst>
-                                </p:cTn>
-                              </p:par>
-                            </p:childTnLst>
-                          </p:cTn>
-                        </p:par>
-                      </p:childTnLst>
-                    </p:cTn>
-                  </p:par>
-                  <p:par>
-                    <p:cTn id="8" fill="hold">
-                      <p:stCondLst>
-                        <p:cond delay="indefinite"/>
-                      </p:stCondLst>
-                      <p:childTnLst>
-                        <p:par>
-                          <p:cTn id="9" fill="hold">
-                            <p:stCondLst>
-                              <p:cond delay="0"/>
-                            </p:stCondLst>
-                            <p:childTnLst>
-                              <p:par>
-                                <p:cTn id="10" presetID="10" presetClass="entr" presetSubtype="0" fill="hold" nodeType="clickEffect">
-                                  <p:stCondLst>
-                                    <p:cond delay="0"/>
-                                  </p:stCondLst>
-                                  <p:childTnLst>
-                                    <p:set>
-                                      <p:cBhvr>
-                                        <p:cTn id="11" dur="1" fill="hold">
-                                          <p:stCondLst>
-                                            <p:cond delay="0"/>
-                                          </p:stCondLst>
-                                        </p:cTn>
-                                        <p:tgtEl>
-                                          <p:spTgt spid="5"/>
-                                        </p:tgtEl>
-                                        <p:attrNameLst>
-                                          <p:attrName>style.visibility</p:attrName>
-                                        </p:attrNameLst>
-                                      </p:cBhvr>
-                                      <p:to>
-                                        <p:strVal val="visible"/>
-                                      </p:to>
-                                    </p:set>
-                                    <p:animEffect transition="in" filter="fade">
-                                      <p:cBhvr>
-                                        <p:cTn id="12" dur="500"/>
-                                        <p:tgtEl>
-                                          <p:spTgt spid="5"/>
                                         </p:tgtEl>
                                       </p:cBhvr>
                                     </p:animEffect>
